--- a/Presentation Template.pptx
+++ b/Presentation Template.pptx
@@ -5615,7 +5615,7 @@
           <a:p>
             <a:fld id="{C17F2C1D-F243-42AB-ADF2-E7CB4E04900E}" type="datetimeFigureOut">
               <a:rPr lang="en-US" smtClean="0"/>
-              <a:t>5/31/2022</a:t>
+              <a:t>5/24/2023</a:t>
             </a:fld>
             <a:endParaRPr lang="en-US"/>
           </a:p>
@@ -5792,7 +5792,7 @@
           <a:p>
             <a:fld id="{020CE34E-5667-4A32-A6BA-10C7A552BC63}" type="datetimeFigureOut">
               <a:rPr lang="en-US" smtClean="0"/>
-              <a:t>5/31/2022</a:t>
+              <a:t>5/24/2023</a:t>
             </a:fld>
             <a:endParaRPr lang="en-US"/>
           </a:p>
@@ -18967,7 +18967,7 @@
           <a:p>
             <a:r>
               <a:rPr lang="en-US" dirty="0"/>
-              <a:t>Presentation Title</a:t>
+              <a:t>Computer</a:t>
             </a:r>
           </a:p>
         </p:txBody>
@@ -19036,7 +19036,7 @@
           <a:p>
             <a:r>
               <a:rPr lang="en-US" dirty="0"/>
-              <a:t>Group Name</a:t>
+              <a:t>Sean</a:t>
             </a:r>
           </a:p>
         </p:txBody>
@@ -23820,7 +23820,7 @@
           <a:p>
             <a:r>
               <a:rPr lang="en-US" dirty="0"/>
-              <a:t>With PowerPoint, you can create presentations and share your work with others, wherever they are. Type the text you want here to get started. You can also add images, art, and videos on this template. Save to OneDrive and access your presentations from your computer, tablet, or phone. </a:t>
+              <a:t>We forced another person to give us their personal information about computers</a:t>
             </a:r>
           </a:p>
         </p:txBody>
@@ -30285,6 +30285,15 @@
 </file>
 
 <file path=customXml/item1.xml><?xml version="1.0" encoding="utf-8"?>
+<?mso-contentType ?>
+<FormTemplates xmlns="http://schemas.microsoft.com/sharepoint/v3/contenttype/forms">
+  <Display>DocumentLibraryForm</Display>
+  <Edit>DocumentLibraryForm</Edit>
+  <New>DocumentLibraryForm</New>
+</FormTemplates>
+</file>
+
+<file path=customXml/item2.xml><?xml version="1.0" encoding="utf-8"?>
 <p:properties xmlns:p="http://schemas.microsoft.com/office/2006/metadata/properties" xmlns:xsi="http://www.w3.org/2001/XMLSchema-instance" xmlns:pc="http://schemas.microsoft.com/office/infopath/2007/PartnerControls">
   <documentManagement>
     <_ip_UnifiedCompliancePolicyUIAction xmlns="http://schemas.microsoft.com/sharepoint/v3" xsi:nil="true"/>
@@ -30301,15 +30310,6 @@
     <MediaServiceKeyPoints xmlns="71af3243-3dd4-4a8d-8c0d-dd76da1f02a5" xsi:nil="true"/>
   </documentManagement>
 </p:properties>
-</file>
-
-<file path=customXml/item2.xml><?xml version="1.0" encoding="utf-8"?>
-<?mso-contentType ?>
-<FormTemplates xmlns="http://schemas.microsoft.com/sharepoint/v3/contenttype/forms">
-  <Display>DocumentLibraryForm</Display>
-  <Edit>DocumentLibraryForm</Edit>
-  <New>DocumentLibraryForm</New>
-</FormTemplates>
 </file>
 
 <file path=customXml/item3.xml><?xml version="1.0" encoding="utf-8"?>
@@ -30589,6 +30589,14 @@
 </file>
 
 <file path=customXml/itemProps1.xml><?xml version="1.0" encoding="utf-8"?>
+<ds:datastoreItem xmlns:ds="http://schemas.openxmlformats.org/officeDocument/2006/customXml" ds:itemID="{904751AB-E840-446F-8D49-E697067EC887}">
+  <ds:schemaRefs>
+    <ds:schemaRef ds:uri="http://schemas.microsoft.com/sharepoint/v3/contenttype/forms"/>
+  </ds:schemaRefs>
+</ds:datastoreItem>
+</file>
+
+<file path=customXml/itemProps2.xml><?xml version="1.0" encoding="utf-8"?>
 <ds:datastoreItem xmlns:ds="http://schemas.openxmlformats.org/officeDocument/2006/customXml" ds:itemID="{50811A92-D464-4AC4-A396-BA73B10CEEAC}">
   <ds:schemaRefs>
     <ds:schemaRef ds:uri="http://schemas.microsoft.com/office/2006/metadata/properties"/>
@@ -30596,14 +30604,6 @@
     <ds:schemaRef ds:uri="http://schemas.microsoft.com/sharepoint/v3"/>
     <ds:schemaRef ds:uri="71af3243-3dd4-4a8d-8c0d-dd76da1f02a5"/>
     <ds:schemaRef ds:uri="230e9df3-be65-4c73-a93b-d1236ebd677e"/>
-  </ds:schemaRefs>
-</ds:datastoreItem>
-</file>
-
-<file path=customXml/itemProps2.xml><?xml version="1.0" encoding="utf-8"?>
-<ds:datastoreItem xmlns:ds="http://schemas.openxmlformats.org/officeDocument/2006/customXml" ds:itemID="{904751AB-E840-446F-8D49-E697067EC887}">
-  <ds:schemaRefs>
-    <ds:schemaRef ds:uri="http://schemas.microsoft.com/sharepoint/v3/contenttype/forms"/>
   </ds:schemaRefs>
 </ds:datastoreItem>
 </file>
